--- a/SIPS.2018.LT.pptx
+++ b/SIPS.2018.LT.pptx
@@ -3098,7 +3098,7 @@
           </p:cNvPicPr>
           <p:nvPr/>
         </p:nvPicPr>
-        <p:blipFill>
+        <p:blipFill rotWithShape="1">
           <a:blip r:embed="rId2">
             <a:extLst>
               <a:ext uri="{28A0092B-C50C-407E-A947-70E740481C1C}">
@@ -3106,14 +3106,13 @@
               </a:ext>
             </a:extLst>
           </a:blip>
-          <a:stretch>
-            <a:fillRect/>
-          </a:stretch>
+          <a:srcRect r="-103" b="49984"/>
+          <a:stretch/>
         </p:blipFill>
         <p:spPr>
           <a:xfrm>
-            <a:off x="3031453" y="406400"/>
-            <a:ext cx="5981700" cy="5973995"/>
+            <a:off x="2075332" y="795501"/>
+            <a:ext cx="7986888" cy="3985489"/>
           </a:xfrm>
           <a:prstGeom prst="rect">
             <a:avLst/>
@@ -3159,7 +3158,7 @@
         <p:spPr>
           <a:xfrm>
             <a:off x="9951482" y="5823046"/>
-            <a:ext cx="1710468" cy="369332"/>
+            <a:ext cx="1710468" cy="923330"/>
           </a:xfrm>
           <a:prstGeom prst="rect">
             <a:avLst/>
@@ -3172,9 +3171,29 @@
           </a:bodyPr>
           <a:lstStyle/>
           <a:p>
+            <a:pPr algn="ctr"/>
             <a:r>
               <a:rPr lang="en-US" dirty="0" smtClean="0"/>
               <a:t>@kd_valentine3</a:t>
+            </a:r>
+          </a:p>
+          <a:p>
+            <a:pPr algn="ctr"/>
+            <a:r>
+              <a:rPr lang="en-US" dirty="0" smtClean="0"/>
+              <a:t>@</a:t>
+            </a:r>
+            <a:r>
+              <a:rPr lang="en-US" dirty="0" err="1" smtClean="0"/>
+              <a:t>aggieerin</a:t>
+            </a:r>
+            <a:endParaRPr lang="en-US" dirty="0" smtClean="0"/>
+          </a:p>
+          <a:p>
+            <a:pPr algn="ctr"/>
+            <a:r>
+              <a:rPr lang="en-US" dirty="0" smtClean="0"/>
+              <a:t>@jscofield24</a:t>
             </a:r>
             <a:endParaRPr lang="en-US" dirty="0"/>
           </a:p>
@@ -3232,6 +3251,7 @@
           </a:bodyPr>
           <a:lstStyle/>
           <a:p>
+            <a:pPr algn="ctr"/>
             <a:r>
               <a:rPr lang="en-US" dirty="0" smtClean="0"/>
               <a:t>https://</a:t>
@@ -3248,6 +3268,35 @@
           </a:p>
         </p:txBody>
       </p:sp>
+      <p:pic>
+        <p:nvPicPr>
+          <p:cNvPr id="8" name="Picture 7"/>
+          <p:cNvPicPr>
+            <a:picLocks noChangeAspect="1"/>
+          </p:cNvPicPr>
+          <p:nvPr/>
+        </p:nvPicPr>
+        <p:blipFill rotWithShape="1">
+          <a:blip r:embed="rId2">
+            <a:extLst>
+              <a:ext uri="{28A0092B-C50C-407E-A947-70E740481C1C}">
+                <a14:useLocalDpi xmlns:a14="http://schemas.microsoft.com/office/drawing/2010/main" val="0"/>
+              </a:ext>
+            </a:extLst>
+          </a:blip>
+          <a:srcRect l="91533" t="59241" b="9863"/>
+          <a:stretch/>
+        </p:blipFill>
+        <p:spPr>
+          <a:xfrm>
+            <a:off x="10099848" y="1083484"/>
+            <a:ext cx="748146" cy="2726518"/>
+          </a:xfrm>
+          <a:prstGeom prst="rect">
+            <a:avLst/>
+          </a:prstGeom>
+        </p:spPr>
+      </p:pic>
     </p:spTree>
     <p:extLst>
       <p:ext uri="{BB962C8B-B14F-4D97-AF65-F5344CB8AC3E}">

--- a/SIPS.2018.LT.pptx
+++ b/SIPS.2018.LT.pptx
@@ -3297,6 +3297,78 @@
           </a:prstGeom>
         </p:spPr>
       </p:pic>
+      <p:sp>
+        <p:nvSpPr>
+          <p:cNvPr id="9" name="TextBox 8"/>
+          <p:cNvSpPr txBox="1"/>
+          <p:nvPr/>
+        </p:nvSpPr>
+        <p:spPr>
+          <a:xfrm>
+            <a:off x="3454740" y="4485333"/>
+            <a:ext cx="1884219" cy="338554"/>
+          </a:xfrm>
+          <a:prstGeom prst="rect">
+            <a:avLst/>
+          </a:prstGeom>
+          <a:solidFill>
+            <a:schemeClr val="bg1"/>
+          </a:solidFill>
+        </p:spPr>
+        <p:txBody>
+          <a:bodyPr wrap="square" rtlCol="0">
+            <a:spAutoFit/>
+          </a:bodyPr>
+          <a:lstStyle/>
+          <a:p>
+            <a:r>
+              <a:rPr lang="en-US" sz="1600" dirty="0" smtClean="0">
+                <a:latin typeface="+mj-lt"/>
+              </a:rPr>
+              <a:t>OOM match value</a:t>
+            </a:r>
+            <a:endParaRPr lang="en-US" sz="1600" dirty="0">
+              <a:latin typeface="+mj-lt"/>
+            </a:endParaRPr>
+          </a:p>
+        </p:txBody>
+      </p:sp>
+      <p:sp>
+        <p:nvSpPr>
+          <p:cNvPr id="10" name="TextBox 9"/>
+          <p:cNvSpPr txBox="1"/>
+          <p:nvPr/>
+        </p:nvSpPr>
+        <p:spPr>
+          <a:xfrm>
+            <a:off x="7643238" y="4485333"/>
+            <a:ext cx="1884219" cy="338554"/>
+          </a:xfrm>
+          <a:prstGeom prst="rect">
+            <a:avLst/>
+          </a:prstGeom>
+          <a:solidFill>
+            <a:schemeClr val="bg1"/>
+          </a:solidFill>
+        </p:spPr>
+        <p:txBody>
+          <a:bodyPr wrap="square" rtlCol="0">
+            <a:spAutoFit/>
+          </a:bodyPr>
+          <a:lstStyle/>
+          <a:p>
+            <a:r>
+              <a:rPr lang="en-US" sz="1600" dirty="0" smtClean="0">
+                <a:latin typeface="+mj-lt"/>
+              </a:rPr>
+              <a:t>OOM match value</a:t>
+            </a:r>
+            <a:endParaRPr lang="en-US" sz="1600" dirty="0">
+              <a:latin typeface="+mj-lt"/>
+            </a:endParaRPr>
+          </a:p>
+        </p:txBody>
+      </p:sp>
     </p:spTree>
     <p:extLst>
       <p:ext uri="{BB962C8B-B14F-4D97-AF65-F5344CB8AC3E}">

--- a/SIPS.2018.LT.pptx
+++ b/SIPS.2018.LT.pptx
@@ -3305,8 +3305,8 @@
         </p:nvSpPr>
         <p:spPr>
           <a:xfrm>
-            <a:off x="3454740" y="4485333"/>
-            <a:ext cx="1884219" cy="338554"/>
+            <a:off x="3311236" y="4485333"/>
+            <a:ext cx="2027723" cy="338554"/>
           </a:xfrm>
           <a:prstGeom prst="rect">
             <a:avLst/>
@@ -3322,13 +3322,17 @@
           <a:lstStyle/>
           <a:p>
             <a:r>
-              <a:rPr lang="en-US" sz="1600" dirty="0" smtClean="0">
-                <a:latin typeface="+mj-lt"/>
+              <a:rPr lang="en-US" sz="1600" b="1" dirty="0" smtClean="0">
+                <a:latin typeface="Arial" charset="0"/>
+                <a:ea typeface="Arial" charset="0"/>
+                <a:cs typeface="Arial" charset="0"/>
               </a:rPr>
               <a:t>OOM match value</a:t>
             </a:r>
-            <a:endParaRPr lang="en-US" sz="1600" dirty="0">
-              <a:latin typeface="+mj-lt"/>
+            <a:endParaRPr lang="en-US" sz="1600" b="1" dirty="0">
+              <a:latin typeface="Arial" charset="0"/>
+              <a:ea typeface="Arial" charset="0"/>
+              <a:cs typeface="Arial" charset="0"/>
             </a:endParaRPr>
           </a:p>
         </p:txBody>
@@ -3341,8 +3345,8 @@
         </p:nvSpPr>
         <p:spPr>
           <a:xfrm>
-            <a:off x="7643238" y="4485333"/>
-            <a:ext cx="1884219" cy="338554"/>
+            <a:off x="7499734" y="4485333"/>
+            <a:ext cx="2027723" cy="338554"/>
           </a:xfrm>
           <a:prstGeom prst="rect">
             <a:avLst/>
@@ -3358,13 +3362,17 @@
           <a:lstStyle/>
           <a:p>
             <a:r>
-              <a:rPr lang="en-US" sz="1600" dirty="0" smtClean="0">
-                <a:latin typeface="+mj-lt"/>
+              <a:rPr lang="en-US" sz="1600" b="1" dirty="0" smtClean="0">
+                <a:latin typeface="Arial" charset="0"/>
+                <a:ea typeface="Arial" charset="0"/>
+                <a:cs typeface="Arial" charset="0"/>
               </a:rPr>
               <a:t>OOM match value</a:t>
             </a:r>
-            <a:endParaRPr lang="en-US" sz="1600" dirty="0">
-              <a:latin typeface="+mj-lt"/>
+            <a:endParaRPr lang="en-US" sz="1600" b="1" dirty="0">
+              <a:latin typeface="Arial" charset="0"/>
+              <a:ea typeface="Arial" charset="0"/>
+              <a:cs typeface="Arial" charset="0"/>
             </a:endParaRPr>
           </a:p>
         </p:txBody>
